--- a/Proyecto_Final/Proyecto/Documentos/Proyecto-IA.pptx
+++ b/Proyecto_Final/Proyecto/Documentos/Proyecto-IA.pptx
@@ -28,6 +28,7 @@
     <p:sldId id="274" r:id="rId22"/>
     <p:sldId id="276" r:id="rId23"/>
     <p:sldId id="283" r:id="rId24"/>
+    <p:sldId id="285" r:id="rId25"/>
   </p:sldIdLst>
   <p:sldSz cx="12192000" cy="6858000"/>
   <p:notesSz cx="6858000" cy="9144000"/>
@@ -11390,6 +11391,243 @@
     <p:extLst>
       <p:ext uri="{BB962C8B-B14F-4D97-AF65-F5344CB8AC3E}">
         <p14:creationId xmlns:p14="http://schemas.microsoft.com/office/powerpoint/2010/main" val="3187758946"/>
+      </p:ext>
+    </p:extLst>
+  </p:cSld>
+  <p:clrMapOvr>
+    <a:masterClrMapping/>
+  </p:clrMapOvr>
+</p:sld>
+</file>
+
+<file path=ppt/slides/slide24.xml><?xml version="1.0" encoding="utf-8"?>
+<p:sld xmlns:a="http://schemas.openxmlformats.org/drawingml/2006/main" xmlns:r="http://schemas.openxmlformats.org/officeDocument/2006/relationships" xmlns:p="http://schemas.openxmlformats.org/presentationml/2006/main">
+  <p:cSld>
+    <p:bg>
+      <p:bgPr>
+        <a:solidFill>
+          <a:schemeClr val="bg1"/>
+        </a:solidFill>
+        <a:effectLst/>
+      </p:bgPr>
+    </p:bg>
+    <p:spTree>
+      <p:nvGrpSpPr>
+        <p:cNvPr id="1" name=""/>
+        <p:cNvGrpSpPr/>
+        <p:nvPr/>
+      </p:nvGrpSpPr>
+      <p:grpSpPr>
+        <a:xfrm>
+          <a:off x="0" y="0"/>
+          <a:ext cx="0" cy="0"/>
+          <a:chOff x="0" y="0"/>
+          <a:chExt cx="0" cy="0"/>
+        </a:xfrm>
+      </p:grpSpPr>
+      <p:sp>
+        <p:nvSpPr>
+          <p:cNvPr id="1031" name="Down Arrow 7">
+            <a:extLst>
+              <a:ext uri="{FF2B5EF4-FFF2-40B4-BE49-F238E27FC236}">
+                <a16:creationId xmlns:a16="http://schemas.microsoft.com/office/drawing/2014/main" id="{D4771268-CB57-404A-9271-370EB28F6090}"/>
+              </a:ext>
+              <a:ext uri="{C183D7F6-B498-43B3-948B-1728B52AA6E4}">
+                <adec:decorative xmlns:adec="http://schemas.microsoft.com/office/drawing/2017/decorative" val="1"/>
+              </a:ext>
+            </a:extLst>
+          </p:cNvPr>
+          <p:cNvSpPr>
+            <a:spLocks noGrp="1" noRot="1" noChangeAspect="1" noMove="1" noResize="1" noEditPoints="1" noAdjustHandles="1" noChangeArrowheads="1" noChangeShapeType="1" noTextEdit="1"/>
+          </p:cNvSpPr>
+          <p:nvPr>
+            <p:extLst>
+              <p:ext uri="{386F3935-93C4-4BCD-93E2-E3B085C9AB24}">
+                <p16:designElem xmlns:p16="http://schemas.microsoft.com/office/powerpoint/2015/main" val="1"/>
+              </p:ext>
+            </p:extLst>
+          </p:nvPr>
+        </p:nvSpPr>
+        <p:spPr>
+          <a:xfrm rot="16200000">
+            <a:off x="800100" y="1491343"/>
+            <a:ext cx="3333749" cy="3499103"/>
+          </a:xfrm>
+          <a:prstGeom prst="downArrow">
+            <a:avLst>
+              <a:gd name="adj1" fmla="val 100000"/>
+              <a:gd name="adj2" fmla="val 15788"/>
+            </a:avLst>
+          </a:prstGeom>
+          <a:solidFill>
+            <a:srgbClr val="404040"/>
+          </a:solidFill>
+          <a:ln w="53975">
+            <a:noFill/>
+          </a:ln>
+        </p:spPr>
+        <p:style>
+          <a:lnRef idx="2">
+            <a:schemeClr val="accent1">
+              <a:shade val="50000"/>
+            </a:schemeClr>
+          </a:lnRef>
+          <a:fillRef idx="1">
+            <a:schemeClr val="accent1"/>
+          </a:fillRef>
+          <a:effectRef idx="0">
+            <a:schemeClr val="accent1"/>
+          </a:effectRef>
+          <a:fontRef idx="minor">
+            <a:schemeClr val="lt1"/>
+          </a:fontRef>
+        </p:style>
+        <p:txBody>
+          <a:bodyPr rtlCol="0" anchor="ctr"/>
+          <a:lstStyle/>
+          <a:p>
+            <a:pPr algn="ctr"/>
+            <a:endParaRPr lang="en-US"/>
+          </a:p>
+        </p:txBody>
+      </p:sp>
+      <p:sp>
+        <p:nvSpPr>
+          <p:cNvPr id="2" name="Título 1">
+            <a:extLst>
+              <a:ext uri="{FF2B5EF4-FFF2-40B4-BE49-F238E27FC236}">
+                <a16:creationId xmlns:a16="http://schemas.microsoft.com/office/drawing/2014/main" id="{8DABBB7D-78C5-8F3B-F2F1-F6E88D33D06F}"/>
+              </a:ext>
+            </a:extLst>
+          </p:cNvPr>
+          <p:cNvSpPr>
+            <a:spLocks noGrp="1"/>
+          </p:cNvSpPr>
+          <p:nvPr>
+            <p:ph type="title"/>
+          </p:nvPr>
+        </p:nvSpPr>
+        <p:spPr>
+          <a:xfrm>
+            <a:off x="1028700" y="1967266"/>
+            <a:ext cx="2628900" cy="2547257"/>
+          </a:xfrm>
+          <a:noFill/>
+        </p:spPr>
+        <p:txBody>
+          <a:bodyPr anchor="ctr">
+            <a:normAutofit/>
+          </a:bodyPr>
+          <a:lstStyle/>
+          <a:p>
+            <a:pPr algn="ctr"/>
+            <a:r>
+              <a:rPr lang="es-MX" sz="2300" dirty="0" err="1">
+                <a:solidFill>
+                  <a:srgbClr val="FFFFFF"/>
+                </a:solidFill>
+              </a:rPr>
+              <a:t>Github</a:t>
+            </a:r>
+            <a:r>
+              <a:rPr lang="es-MX" sz="2300" dirty="0">
+                <a:solidFill>
+                  <a:srgbClr val="FFFFFF"/>
+                </a:solidFill>
+              </a:rPr>
+              <a:t> :  </a:t>
+            </a:r>
+            <a:r>
+              <a:rPr lang="es-MX" sz="2300" dirty="0">
+                <a:solidFill>
+                  <a:srgbClr val="FFFFFF"/>
+                </a:solidFill>
+                <a:hlinkClick r:id="rId2"/>
+              </a:rPr>
+              <a:t>https://github.com/gdesirena/HyAIA_Repositorio_Clase.git</a:t>
+            </a:r>
+            <a:br>
+              <a:rPr lang="es-MX" sz="2300" dirty="0">
+                <a:solidFill>
+                  <a:srgbClr val="FFFFFF"/>
+                </a:solidFill>
+              </a:rPr>
+            </a:br>
+            <a:r>
+              <a:rPr lang="es-MX" sz="2300" dirty="0">
+                <a:solidFill>
+                  <a:srgbClr val="FFFFFF"/>
+                </a:solidFill>
+              </a:rPr>
+              <a:t>Branch: </a:t>
+            </a:r>
+            <a:r>
+              <a:rPr lang="es-MX" sz="2300" dirty="0" err="1">
+                <a:solidFill>
+                  <a:srgbClr val="FFFFFF"/>
+                </a:solidFill>
+                <a:hlinkClick r:id="rId3"/>
+              </a:rPr>
+              <a:t>Reconocimiento_Numeros</a:t>
+            </a:r>
+            <a:endParaRPr lang="es-MX" sz="2300" dirty="0">
+              <a:solidFill>
+                <a:srgbClr val="FFFFFF"/>
+              </a:solidFill>
+            </a:endParaRPr>
+          </a:p>
+        </p:txBody>
+      </p:sp>
+      <p:pic>
+        <p:nvPicPr>
+          <p:cNvPr id="1026" name="Picture 2" descr="GitHub Logo and symbol, meaning, history, PNG, brand">
+            <a:extLst>
+              <a:ext uri="{FF2B5EF4-FFF2-40B4-BE49-F238E27FC236}">
+                <a16:creationId xmlns:a16="http://schemas.microsoft.com/office/drawing/2014/main" id="{3EE0BA12-0D68-778C-5DE4-270DDBC29A30}"/>
+              </a:ext>
+            </a:extLst>
+          </p:cNvPr>
+          <p:cNvPicPr>
+            <a:picLocks noChangeAspect="1" noChangeArrowheads="1"/>
+          </p:cNvPicPr>
+          <p:nvPr/>
+        </p:nvPicPr>
+        <p:blipFill>
+          <a:blip r:embed="rId4">
+            <a:extLst>
+              <a:ext uri="{28A0092B-C50C-407E-A947-70E740481C1C}">
+                <a14:useLocalDpi xmlns:a14="http://schemas.microsoft.com/office/drawing/2010/main" val="0"/>
+              </a:ext>
+            </a:extLst>
+          </a:blip>
+          <a:stretch>
+            <a:fillRect/>
+          </a:stretch>
+        </p:blipFill>
+        <p:spPr bwMode="auto">
+          <a:xfrm>
+            <a:off x="4777316" y="1520764"/>
+            <a:ext cx="6780700" cy="3814143"/>
+          </a:xfrm>
+          <a:prstGeom prst="rect">
+            <a:avLst/>
+          </a:prstGeom>
+          <a:noFill/>
+          <a:extLst>
+            <a:ext uri="{909E8E84-426E-40DD-AFC4-6F175D3DCCD1}">
+              <a14:hiddenFill xmlns:a14="http://schemas.microsoft.com/office/drawing/2010/main">
+                <a:solidFill>
+                  <a:srgbClr val="FFFFFF"/>
+                </a:solidFill>
+              </a14:hiddenFill>
+            </a:ext>
+          </a:extLst>
+        </p:spPr>
+      </p:pic>
+    </p:spTree>
+    <p:extLst>
+      <p:ext uri="{BB962C8B-B14F-4D97-AF65-F5344CB8AC3E}">
+        <p14:creationId xmlns:p14="http://schemas.microsoft.com/office/powerpoint/2010/main" val="1582720543"/>
       </p:ext>
     </p:extLst>
   </p:cSld>
